--- a/design_presentation.pptx
+++ b/design_presentation.pptx
@@ -8,6 +8,11 @@
     <p:sldId id="256" r:id="rId2"/>
     <p:sldId id="257" r:id="rId3"/>
     <p:sldId id="258" r:id="rId4"/>
+    <p:sldId id="259" r:id="rId5"/>
+    <p:sldId id="262" r:id="rId6"/>
+    <p:sldId id="260" r:id="rId7"/>
+    <p:sldId id="261" r:id="rId8"/>
+    <p:sldId id="263" r:id="rId9"/>
   </p:sldIdLst>
   <p:sldSz cx="12192000" cy="6858000"/>
   <p:notesSz cx="6858000" cy="9144000"/>
@@ -3491,6 +3496,15 @@
           <a:bodyPr/>
           <a:lstStyle/>
           <a:p>
+            <a:pPr marL="0" indent="0">
+              <a:buNone/>
+            </a:pPr>
+            <a:r>
+              <a:rPr lang="en-US" dirty="0"/>
+              <a:t>Member(s):</a:t>
+            </a:r>
+          </a:p>
+          <a:p>
             <a:r>
               <a:rPr lang="en-US" dirty="0"/>
               <a:t>Hayden Dennis</a:t>
@@ -3498,6 +3512,15 @@
           </a:p>
           <a:p>
             <a:endParaRPr lang="en-US" dirty="0"/>
+          </a:p>
+          <a:p>
+            <a:pPr marL="0" indent="0">
+              <a:buNone/>
+            </a:pPr>
+            <a:r>
+              <a:rPr lang="en-US" dirty="0"/>
+              <a:t>Academic Advisor: Austin Coontz</a:t>
+            </a:r>
           </a:p>
           <a:p>
             <a:endParaRPr lang="en-001" dirty="0"/>
@@ -3555,6 +3578,10 @@
           <a:bodyPr/>
           <a:lstStyle/>
           <a:p>
+            <a:r>
+              <a:rPr lang="en-US" dirty="0"/>
+              <a:t>Abstract</a:t>
+            </a:r>
             <a:endParaRPr lang="en-001" dirty="0"/>
           </a:p>
         </p:txBody>
@@ -3588,6 +3615,426 @@
     <p:extLst>
       <p:ext uri="{BB962C8B-B14F-4D97-AF65-F5344CB8AC3E}">
         <p14:creationId xmlns:p14="http://schemas.microsoft.com/office/powerpoint/2010/main" val="2611840242"/>
+      </p:ext>
+    </p:extLst>
+  </p:cSld>
+  <p:clrMapOvr>
+    <a:masterClrMapping/>
+  </p:clrMapOvr>
+</p:sld>
+</file>
+
+<file path=ppt/slides/slide4.xml><?xml version="1.0" encoding="utf-8"?>
+<p:sld xmlns:a="http://schemas.openxmlformats.org/drawingml/2006/main" xmlns:r="http://schemas.openxmlformats.org/officeDocument/2006/relationships" xmlns:p="http://schemas.openxmlformats.org/presentationml/2006/main">
+  <p:cSld>
+    <p:spTree>
+      <p:nvGrpSpPr>
+        <p:cNvPr id="1" name=""/>
+        <p:cNvGrpSpPr/>
+        <p:nvPr/>
+      </p:nvGrpSpPr>
+      <p:grpSpPr>
+        <a:xfrm>
+          <a:off x="0" y="0"/>
+          <a:ext cx="0" cy="0"/>
+          <a:chOff x="0" y="0"/>
+          <a:chExt cx="0" cy="0"/>
+        </a:xfrm>
+      </p:grpSpPr>
+      <p:sp>
+        <p:nvSpPr>
+          <p:cNvPr id="2" name="Title 1">
+            <a:extLst>
+              <a:ext uri="{FF2B5EF4-FFF2-40B4-BE49-F238E27FC236}">
+                <a16:creationId xmlns:a16="http://schemas.microsoft.com/office/drawing/2014/main" id="{1C416170-A5FE-9BF9-18AD-3EE32847CDD3}"/>
+              </a:ext>
+            </a:extLst>
+          </p:cNvPr>
+          <p:cNvSpPr>
+            <a:spLocks noGrp="1"/>
+          </p:cNvSpPr>
+          <p:nvPr>
+            <p:ph type="title"/>
+          </p:nvPr>
+        </p:nvSpPr>
+        <p:spPr/>
+        <p:txBody>
+          <a:bodyPr/>
+          <a:lstStyle/>
+          <a:p>
+            <a:r>
+              <a:rPr lang="en-US" dirty="0"/>
+              <a:t>User stories</a:t>
+            </a:r>
+            <a:endParaRPr lang="en-001" dirty="0"/>
+          </a:p>
+        </p:txBody>
+      </p:sp>
+      <p:sp>
+        <p:nvSpPr>
+          <p:cNvPr id="3" name="Content Placeholder 2">
+            <a:extLst>
+              <a:ext uri="{FF2B5EF4-FFF2-40B4-BE49-F238E27FC236}">
+                <a16:creationId xmlns:a16="http://schemas.microsoft.com/office/drawing/2014/main" id="{7141E7A9-5064-3F34-6566-E060FDFBCDC7}"/>
+              </a:ext>
+            </a:extLst>
+          </p:cNvPr>
+          <p:cNvSpPr>
+            <a:spLocks noGrp="1"/>
+          </p:cNvSpPr>
+          <p:nvPr>
+            <p:ph idx="1"/>
+          </p:nvPr>
+        </p:nvSpPr>
+        <p:spPr/>
+        <p:txBody>
+          <a:bodyPr/>
+          <a:lstStyle/>
+          <a:p>
+            <a:endParaRPr lang="en-001"/>
+          </a:p>
+        </p:txBody>
+      </p:sp>
+    </p:spTree>
+    <p:extLst>
+      <p:ext uri="{BB962C8B-B14F-4D97-AF65-F5344CB8AC3E}">
+        <p14:creationId xmlns:p14="http://schemas.microsoft.com/office/powerpoint/2010/main" val="2135860502"/>
+      </p:ext>
+    </p:extLst>
+  </p:cSld>
+  <p:clrMapOvr>
+    <a:masterClrMapping/>
+  </p:clrMapOvr>
+</p:sld>
+</file>
+
+<file path=ppt/slides/slide5.xml><?xml version="1.0" encoding="utf-8"?>
+<p:sld xmlns:a="http://schemas.openxmlformats.org/drawingml/2006/main" xmlns:r="http://schemas.openxmlformats.org/officeDocument/2006/relationships" xmlns:p="http://schemas.openxmlformats.org/presentationml/2006/main">
+  <p:cSld>
+    <p:spTree>
+      <p:nvGrpSpPr>
+        <p:cNvPr id="1" name=""/>
+        <p:cNvGrpSpPr/>
+        <p:nvPr/>
+      </p:nvGrpSpPr>
+      <p:grpSpPr>
+        <a:xfrm>
+          <a:off x="0" y="0"/>
+          <a:ext cx="0" cy="0"/>
+          <a:chOff x="0" y="0"/>
+          <a:chExt cx="0" cy="0"/>
+        </a:xfrm>
+      </p:grpSpPr>
+      <p:sp>
+        <p:nvSpPr>
+          <p:cNvPr id="2" name="Title 1">
+            <a:extLst>
+              <a:ext uri="{FF2B5EF4-FFF2-40B4-BE49-F238E27FC236}">
+                <a16:creationId xmlns:a16="http://schemas.microsoft.com/office/drawing/2014/main" id="{3988142D-01DE-C2B3-160F-7055F941DCF4}"/>
+              </a:ext>
+            </a:extLst>
+          </p:cNvPr>
+          <p:cNvSpPr>
+            <a:spLocks noGrp="1"/>
+          </p:cNvSpPr>
+          <p:nvPr>
+            <p:ph type="title"/>
+          </p:nvPr>
+        </p:nvSpPr>
+        <p:spPr/>
+        <p:txBody>
+          <a:bodyPr/>
+          <a:lstStyle/>
+          <a:p>
+            <a:r>
+              <a:rPr lang="en-US" dirty="0"/>
+              <a:t>Design diagrams</a:t>
+            </a:r>
+            <a:endParaRPr lang="en-001" dirty="0"/>
+          </a:p>
+        </p:txBody>
+      </p:sp>
+      <p:sp>
+        <p:nvSpPr>
+          <p:cNvPr id="3" name="Content Placeholder 2">
+            <a:extLst>
+              <a:ext uri="{FF2B5EF4-FFF2-40B4-BE49-F238E27FC236}">
+                <a16:creationId xmlns:a16="http://schemas.microsoft.com/office/drawing/2014/main" id="{A9F072CF-CC40-0EB3-690D-7E3094158861}"/>
+              </a:ext>
+            </a:extLst>
+          </p:cNvPr>
+          <p:cNvSpPr>
+            <a:spLocks noGrp="1"/>
+          </p:cNvSpPr>
+          <p:nvPr>
+            <p:ph idx="1"/>
+          </p:nvPr>
+        </p:nvSpPr>
+        <p:spPr/>
+        <p:txBody>
+          <a:bodyPr/>
+          <a:lstStyle/>
+          <a:p>
+            <a:endParaRPr lang="en-001"/>
+          </a:p>
+        </p:txBody>
+      </p:sp>
+    </p:spTree>
+    <p:extLst>
+      <p:ext uri="{BB962C8B-B14F-4D97-AF65-F5344CB8AC3E}">
+        <p14:creationId xmlns:p14="http://schemas.microsoft.com/office/powerpoint/2010/main" val="1975589732"/>
+      </p:ext>
+    </p:extLst>
+  </p:cSld>
+  <p:clrMapOvr>
+    <a:masterClrMapping/>
+  </p:clrMapOvr>
+</p:sld>
+</file>
+
+<file path=ppt/slides/slide6.xml><?xml version="1.0" encoding="utf-8"?>
+<p:sld xmlns:a="http://schemas.openxmlformats.org/drawingml/2006/main" xmlns:r="http://schemas.openxmlformats.org/officeDocument/2006/relationships" xmlns:p="http://schemas.openxmlformats.org/presentationml/2006/main">
+  <p:cSld>
+    <p:spTree>
+      <p:nvGrpSpPr>
+        <p:cNvPr id="1" name=""/>
+        <p:cNvGrpSpPr/>
+        <p:nvPr/>
+      </p:nvGrpSpPr>
+      <p:grpSpPr>
+        <a:xfrm>
+          <a:off x="0" y="0"/>
+          <a:ext cx="0" cy="0"/>
+          <a:chOff x="0" y="0"/>
+          <a:chExt cx="0" cy="0"/>
+        </a:xfrm>
+      </p:grpSpPr>
+      <p:sp>
+        <p:nvSpPr>
+          <p:cNvPr id="2" name="Title 1">
+            <a:extLst>
+              <a:ext uri="{FF2B5EF4-FFF2-40B4-BE49-F238E27FC236}">
+                <a16:creationId xmlns:a16="http://schemas.microsoft.com/office/drawing/2014/main" id="{C97FE11C-3A25-439A-1772-A11C65B5C0DB}"/>
+              </a:ext>
+            </a:extLst>
+          </p:cNvPr>
+          <p:cNvSpPr>
+            <a:spLocks noGrp="1"/>
+          </p:cNvSpPr>
+          <p:nvPr>
+            <p:ph type="title"/>
+          </p:nvPr>
+        </p:nvSpPr>
+        <p:spPr/>
+        <p:txBody>
+          <a:bodyPr/>
+          <a:lstStyle/>
+          <a:p>
+            <a:r>
+              <a:rPr lang="en-US" dirty="0"/>
+              <a:t>Project constraints</a:t>
+            </a:r>
+            <a:endParaRPr lang="en-001" dirty="0"/>
+          </a:p>
+        </p:txBody>
+      </p:sp>
+      <p:sp>
+        <p:nvSpPr>
+          <p:cNvPr id="3" name="Content Placeholder 2">
+            <a:extLst>
+              <a:ext uri="{FF2B5EF4-FFF2-40B4-BE49-F238E27FC236}">
+                <a16:creationId xmlns:a16="http://schemas.microsoft.com/office/drawing/2014/main" id="{1AB52CA9-4321-7B19-BDEF-711CB1E9630C}"/>
+              </a:ext>
+            </a:extLst>
+          </p:cNvPr>
+          <p:cNvSpPr>
+            <a:spLocks noGrp="1"/>
+          </p:cNvSpPr>
+          <p:nvPr>
+            <p:ph idx="1"/>
+          </p:nvPr>
+        </p:nvSpPr>
+        <p:spPr/>
+        <p:txBody>
+          <a:bodyPr/>
+          <a:lstStyle/>
+          <a:p>
+            <a:endParaRPr lang="en-001"/>
+          </a:p>
+        </p:txBody>
+      </p:sp>
+    </p:spTree>
+    <p:extLst>
+      <p:ext uri="{BB962C8B-B14F-4D97-AF65-F5344CB8AC3E}">
+        <p14:creationId xmlns:p14="http://schemas.microsoft.com/office/powerpoint/2010/main" val="2317199377"/>
+      </p:ext>
+    </p:extLst>
+  </p:cSld>
+  <p:clrMapOvr>
+    <a:masterClrMapping/>
+  </p:clrMapOvr>
+</p:sld>
+</file>
+
+<file path=ppt/slides/slide7.xml><?xml version="1.0" encoding="utf-8"?>
+<p:sld xmlns:a="http://schemas.openxmlformats.org/drawingml/2006/main" xmlns:r="http://schemas.openxmlformats.org/officeDocument/2006/relationships" xmlns:p="http://schemas.openxmlformats.org/presentationml/2006/main">
+  <p:cSld>
+    <p:spTree>
+      <p:nvGrpSpPr>
+        <p:cNvPr id="1" name=""/>
+        <p:cNvGrpSpPr/>
+        <p:nvPr/>
+      </p:nvGrpSpPr>
+      <p:grpSpPr>
+        <a:xfrm>
+          <a:off x="0" y="0"/>
+          <a:ext cx="0" cy="0"/>
+          <a:chOff x="0" y="0"/>
+          <a:chExt cx="0" cy="0"/>
+        </a:xfrm>
+      </p:grpSpPr>
+      <p:sp>
+        <p:nvSpPr>
+          <p:cNvPr id="2" name="Title 1">
+            <a:extLst>
+              <a:ext uri="{FF2B5EF4-FFF2-40B4-BE49-F238E27FC236}">
+                <a16:creationId xmlns:a16="http://schemas.microsoft.com/office/drawing/2014/main" id="{0C64F0EE-9D1E-AF32-05AF-0323D0D3544F}"/>
+              </a:ext>
+            </a:extLst>
+          </p:cNvPr>
+          <p:cNvSpPr>
+            <a:spLocks noGrp="1"/>
+          </p:cNvSpPr>
+          <p:nvPr>
+            <p:ph type="title"/>
+          </p:nvPr>
+        </p:nvSpPr>
+        <p:spPr/>
+        <p:txBody>
+          <a:bodyPr/>
+          <a:lstStyle/>
+          <a:p>
+            <a:r>
+              <a:rPr lang="en-US" dirty="0"/>
+              <a:t>State of things</a:t>
+            </a:r>
+            <a:endParaRPr lang="en-001" dirty="0"/>
+          </a:p>
+        </p:txBody>
+      </p:sp>
+      <p:sp>
+        <p:nvSpPr>
+          <p:cNvPr id="3" name="Content Placeholder 2">
+            <a:extLst>
+              <a:ext uri="{FF2B5EF4-FFF2-40B4-BE49-F238E27FC236}">
+                <a16:creationId xmlns:a16="http://schemas.microsoft.com/office/drawing/2014/main" id="{3D7850A2-9C05-BD12-DD7A-C5513C3FB0CF}"/>
+              </a:ext>
+            </a:extLst>
+          </p:cNvPr>
+          <p:cNvSpPr>
+            <a:spLocks noGrp="1"/>
+          </p:cNvSpPr>
+          <p:nvPr>
+            <p:ph idx="1"/>
+          </p:nvPr>
+        </p:nvSpPr>
+        <p:spPr/>
+        <p:txBody>
+          <a:bodyPr/>
+          <a:lstStyle/>
+          <a:p>
+            <a:endParaRPr lang="en-001"/>
+          </a:p>
+        </p:txBody>
+      </p:sp>
+    </p:spTree>
+    <p:extLst>
+      <p:ext uri="{BB962C8B-B14F-4D97-AF65-F5344CB8AC3E}">
+        <p14:creationId xmlns:p14="http://schemas.microsoft.com/office/powerpoint/2010/main" val="1347057200"/>
+      </p:ext>
+    </p:extLst>
+  </p:cSld>
+  <p:clrMapOvr>
+    <a:masterClrMapping/>
+  </p:clrMapOvr>
+</p:sld>
+</file>
+
+<file path=ppt/slides/slide8.xml><?xml version="1.0" encoding="utf-8"?>
+<p:sld xmlns:a="http://schemas.openxmlformats.org/drawingml/2006/main" xmlns:r="http://schemas.openxmlformats.org/officeDocument/2006/relationships" xmlns:p="http://schemas.openxmlformats.org/presentationml/2006/main">
+  <p:cSld>
+    <p:spTree>
+      <p:nvGrpSpPr>
+        <p:cNvPr id="1" name=""/>
+        <p:cNvGrpSpPr/>
+        <p:nvPr/>
+      </p:nvGrpSpPr>
+      <p:grpSpPr>
+        <a:xfrm>
+          <a:off x="0" y="0"/>
+          <a:ext cx="0" cy="0"/>
+          <a:chOff x="0" y="0"/>
+          <a:chExt cx="0" cy="0"/>
+        </a:xfrm>
+      </p:grpSpPr>
+      <p:sp>
+        <p:nvSpPr>
+          <p:cNvPr id="2" name="Title 1">
+            <a:extLst>
+              <a:ext uri="{FF2B5EF4-FFF2-40B4-BE49-F238E27FC236}">
+                <a16:creationId xmlns:a16="http://schemas.microsoft.com/office/drawing/2014/main" id="{18654137-EF46-9031-5EF7-5D0D666D3A75}"/>
+              </a:ext>
+            </a:extLst>
+          </p:cNvPr>
+          <p:cNvSpPr>
+            <a:spLocks noGrp="1"/>
+          </p:cNvSpPr>
+          <p:nvPr>
+            <p:ph type="title"/>
+          </p:nvPr>
+        </p:nvSpPr>
+        <p:spPr/>
+        <p:txBody>
+          <a:bodyPr/>
+          <a:lstStyle/>
+          <a:p>
+            <a:r>
+              <a:rPr lang="en-US" dirty="0"/>
+              <a:t>End of term expectations</a:t>
+            </a:r>
+            <a:endParaRPr lang="en-001" dirty="0"/>
+          </a:p>
+        </p:txBody>
+      </p:sp>
+      <p:sp>
+        <p:nvSpPr>
+          <p:cNvPr id="3" name="Content Placeholder 2">
+            <a:extLst>
+              <a:ext uri="{FF2B5EF4-FFF2-40B4-BE49-F238E27FC236}">
+                <a16:creationId xmlns:a16="http://schemas.microsoft.com/office/drawing/2014/main" id="{D7E6507F-0321-086E-1EA5-12DA9CDCD9CE}"/>
+              </a:ext>
+            </a:extLst>
+          </p:cNvPr>
+          <p:cNvSpPr>
+            <a:spLocks noGrp="1"/>
+          </p:cNvSpPr>
+          <p:nvPr>
+            <p:ph idx="1"/>
+          </p:nvPr>
+        </p:nvSpPr>
+        <p:spPr/>
+        <p:txBody>
+          <a:bodyPr/>
+          <a:lstStyle/>
+          <a:p>
+            <a:endParaRPr lang="en-001"/>
+          </a:p>
+        </p:txBody>
+      </p:sp>
+    </p:spTree>
+    <p:extLst>
+      <p:ext uri="{BB962C8B-B14F-4D97-AF65-F5344CB8AC3E}">
+        <p14:creationId xmlns:p14="http://schemas.microsoft.com/office/powerpoint/2010/main" val="847143229"/>
       </p:ext>
     </p:extLst>
   </p:cSld>

--- a/design_presentation.pptx
+++ b/design_presentation.pptx
@@ -4,15 +4,20 @@
   <p:sldMasterIdLst>
     <p:sldMasterId id="2147483648" r:id="rId1"/>
   </p:sldMasterIdLst>
+  <p:notesMasterIdLst>
+    <p:notesMasterId r:id="rId12"/>
+  </p:notesMasterIdLst>
   <p:sldIdLst>
     <p:sldId id="256" r:id="rId2"/>
     <p:sldId id="257" r:id="rId3"/>
     <p:sldId id="258" r:id="rId4"/>
     <p:sldId id="259" r:id="rId5"/>
     <p:sldId id="262" r:id="rId6"/>
-    <p:sldId id="260" r:id="rId7"/>
-    <p:sldId id="261" r:id="rId8"/>
-    <p:sldId id="263" r:id="rId9"/>
+    <p:sldId id="264" r:id="rId7"/>
+    <p:sldId id="265" r:id="rId8"/>
+    <p:sldId id="260" r:id="rId9"/>
+    <p:sldId id="266" r:id="rId10"/>
+    <p:sldId id="263" r:id="rId11"/>
   </p:sldIdLst>
   <p:sldSz cx="12192000" cy="6858000"/>
   <p:notesSz cx="6858000" cy="9144000"/>
@@ -119,6 +124,660 @@
 </p:presentation>
 </file>
 
+<file path=ppt/notesMasters/notesMaster1.xml><?xml version="1.0" encoding="utf-8"?>
+<p:notesMaster xmlns:a="http://schemas.openxmlformats.org/drawingml/2006/main" xmlns:r="http://schemas.openxmlformats.org/officeDocument/2006/relationships" xmlns:p="http://schemas.openxmlformats.org/presentationml/2006/main">
+  <p:cSld>
+    <p:bg>
+      <p:bgRef idx="1001">
+        <a:schemeClr val="bg1"/>
+      </p:bgRef>
+    </p:bg>
+    <p:spTree>
+      <p:nvGrpSpPr>
+        <p:cNvPr id="1" name=""/>
+        <p:cNvGrpSpPr/>
+        <p:nvPr/>
+      </p:nvGrpSpPr>
+      <p:grpSpPr>
+        <a:xfrm>
+          <a:off x="0" y="0"/>
+          <a:ext cx="0" cy="0"/>
+          <a:chOff x="0" y="0"/>
+          <a:chExt cx="0" cy="0"/>
+        </a:xfrm>
+      </p:grpSpPr>
+      <p:sp>
+        <p:nvSpPr>
+          <p:cNvPr id="2" name="Header Placeholder 1"/>
+          <p:cNvSpPr>
+            <a:spLocks noGrp="1"/>
+          </p:cNvSpPr>
+          <p:nvPr>
+            <p:ph type="hdr" sz="quarter"/>
+          </p:nvPr>
+        </p:nvSpPr>
+        <p:spPr>
+          <a:xfrm>
+            <a:off x="0" y="0"/>
+            <a:ext cx="2971800" cy="458788"/>
+          </a:xfrm>
+          <a:prstGeom prst="rect">
+            <a:avLst/>
+          </a:prstGeom>
+        </p:spPr>
+        <p:txBody>
+          <a:bodyPr vert="horz" lIns="91440" tIns="45720" rIns="91440" bIns="45720" rtlCol="0"/>
+          <a:lstStyle>
+            <a:lvl1pPr algn="l">
+              <a:defRPr sz="1200"/>
+            </a:lvl1pPr>
+          </a:lstStyle>
+          <a:p>
+            <a:endParaRPr lang="en-001"/>
+          </a:p>
+        </p:txBody>
+      </p:sp>
+      <p:sp>
+        <p:nvSpPr>
+          <p:cNvPr id="3" name="Date Placeholder 2"/>
+          <p:cNvSpPr>
+            <a:spLocks noGrp="1"/>
+          </p:cNvSpPr>
+          <p:nvPr>
+            <p:ph type="dt" idx="1"/>
+          </p:nvPr>
+        </p:nvSpPr>
+        <p:spPr>
+          <a:xfrm>
+            <a:off x="3884613" y="0"/>
+            <a:ext cx="2971800" cy="458788"/>
+          </a:xfrm>
+          <a:prstGeom prst="rect">
+            <a:avLst/>
+          </a:prstGeom>
+        </p:spPr>
+        <p:txBody>
+          <a:bodyPr vert="horz" lIns="91440" tIns="45720" rIns="91440" bIns="45720" rtlCol="0"/>
+          <a:lstStyle>
+            <a:lvl1pPr algn="r">
+              <a:defRPr sz="1200"/>
+            </a:lvl1pPr>
+          </a:lstStyle>
+          <a:p>
+            <a:fld id="{D7F559F5-2DAC-4629-9D6E-D700034D2FAB}" type="datetimeFigureOut">
+              <a:rPr lang="en-001" smtClean="0"/>
+              <a:t>21/11/2025</a:t>
+            </a:fld>
+            <a:endParaRPr lang="en-001"/>
+          </a:p>
+        </p:txBody>
+      </p:sp>
+      <p:sp>
+        <p:nvSpPr>
+          <p:cNvPr id="4" name="Slide Image Placeholder 3"/>
+          <p:cNvSpPr>
+            <a:spLocks noGrp="1" noRot="1" noChangeAspect="1"/>
+          </p:cNvSpPr>
+          <p:nvPr>
+            <p:ph type="sldImg" idx="2"/>
+          </p:nvPr>
+        </p:nvSpPr>
+        <p:spPr>
+          <a:xfrm>
+            <a:off x="685800" y="1143000"/>
+            <a:ext cx="5486400" cy="3086100"/>
+          </a:xfrm>
+          <a:prstGeom prst="rect">
+            <a:avLst/>
+          </a:prstGeom>
+          <a:noFill/>
+          <a:ln w="12700">
+            <a:solidFill>
+              <a:prstClr val="black"/>
+            </a:solidFill>
+          </a:ln>
+        </p:spPr>
+        <p:txBody>
+          <a:bodyPr vert="horz" lIns="91440" tIns="45720" rIns="91440" bIns="45720" rtlCol="0" anchor="ctr"/>
+          <a:lstStyle/>
+          <a:p>
+            <a:endParaRPr lang="en-001"/>
+          </a:p>
+        </p:txBody>
+      </p:sp>
+      <p:sp>
+        <p:nvSpPr>
+          <p:cNvPr id="5" name="Notes Placeholder 4"/>
+          <p:cNvSpPr>
+            <a:spLocks noGrp="1"/>
+          </p:cNvSpPr>
+          <p:nvPr>
+            <p:ph type="body" sz="quarter" idx="3"/>
+          </p:nvPr>
+        </p:nvSpPr>
+        <p:spPr>
+          <a:xfrm>
+            <a:off x="685800" y="4400550"/>
+            <a:ext cx="5486400" cy="3600450"/>
+          </a:xfrm>
+          <a:prstGeom prst="rect">
+            <a:avLst/>
+          </a:prstGeom>
+        </p:spPr>
+        <p:txBody>
+          <a:bodyPr vert="horz" lIns="91440" tIns="45720" rIns="91440" bIns="45720" rtlCol="0"/>
+          <a:lstStyle/>
+          <a:p>
+            <a:pPr lvl="0"/>
+            <a:r>
+              <a:rPr lang="en-US"/>
+              <a:t>Click to edit Master text styles</a:t>
+            </a:r>
+          </a:p>
+          <a:p>
+            <a:pPr lvl="1"/>
+            <a:r>
+              <a:rPr lang="en-US"/>
+              <a:t>Second level</a:t>
+            </a:r>
+          </a:p>
+          <a:p>
+            <a:pPr lvl="2"/>
+            <a:r>
+              <a:rPr lang="en-US"/>
+              <a:t>Third level</a:t>
+            </a:r>
+          </a:p>
+          <a:p>
+            <a:pPr lvl="3"/>
+            <a:r>
+              <a:rPr lang="en-US"/>
+              <a:t>Fourth level</a:t>
+            </a:r>
+          </a:p>
+          <a:p>
+            <a:pPr lvl="4"/>
+            <a:r>
+              <a:rPr lang="en-US"/>
+              <a:t>Fifth level</a:t>
+            </a:r>
+            <a:endParaRPr lang="en-001"/>
+          </a:p>
+        </p:txBody>
+      </p:sp>
+      <p:sp>
+        <p:nvSpPr>
+          <p:cNvPr id="6" name="Footer Placeholder 5"/>
+          <p:cNvSpPr>
+            <a:spLocks noGrp="1"/>
+          </p:cNvSpPr>
+          <p:nvPr>
+            <p:ph type="ftr" sz="quarter" idx="4"/>
+          </p:nvPr>
+        </p:nvSpPr>
+        <p:spPr>
+          <a:xfrm>
+            <a:off x="0" y="8685213"/>
+            <a:ext cx="2971800" cy="458787"/>
+          </a:xfrm>
+          <a:prstGeom prst="rect">
+            <a:avLst/>
+          </a:prstGeom>
+        </p:spPr>
+        <p:txBody>
+          <a:bodyPr vert="horz" lIns="91440" tIns="45720" rIns="91440" bIns="45720" rtlCol="0" anchor="b"/>
+          <a:lstStyle>
+            <a:lvl1pPr algn="l">
+              <a:defRPr sz="1200"/>
+            </a:lvl1pPr>
+          </a:lstStyle>
+          <a:p>
+            <a:endParaRPr lang="en-001"/>
+          </a:p>
+        </p:txBody>
+      </p:sp>
+      <p:sp>
+        <p:nvSpPr>
+          <p:cNvPr id="7" name="Slide Number Placeholder 6"/>
+          <p:cNvSpPr>
+            <a:spLocks noGrp="1"/>
+          </p:cNvSpPr>
+          <p:nvPr>
+            <p:ph type="sldNum" sz="quarter" idx="5"/>
+          </p:nvPr>
+        </p:nvSpPr>
+        <p:spPr>
+          <a:xfrm>
+            <a:off x="3884613" y="8685213"/>
+            <a:ext cx="2971800" cy="458787"/>
+          </a:xfrm>
+          <a:prstGeom prst="rect">
+            <a:avLst/>
+          </a:prstGeom>
+        </p:spPr>
+        <p:txBody>
+          <a:bodyPr vert="horz" lIns="91440" tIns="45720" rIns="91440" bIns="45720" rtlCol="0" anchor="b"/>
+          <a:lstStyle>
+            <a:lvl1pPr algn="r">
+              <a:defRPr sz="1200"/>
+            </a:lvl1pPr>
+          </a:lstStyle>
+          <a:p>
+            <a:fld id="{AA35E14C-0906-485E-9492-8D1923B67659}" type="slidenum">
+              <a:rPr lang="en-001" smtClean="0"/>
+              <a:t>‹#›</a:t>
+            </a:fld>
+            <a:endParaRPr lang="en-001"/>
+          </a:p>
+        </p:txBody>
+      </p:sp>
+    </p:spTree>
+    <p:extLst>
+      <p:ext uri="{BB962C8B-B14F-4D97-AF65-F5344CB8AC3E}">
+        <p14:creationId xmlns:p14="http://schemas.microsoft.com/office/powerpoint/2010/main" val="4225093548"/>
+      </p:ext>
+    </p:extLst>
+  </p:cSld>
+  <p:clrMap bg1="lt1" tx1="dk1" bg2="lt2" tx2="dk2" accent1="accent1" accent2="accent2" accent3="accent3" accent4="accent4" accent5="accent5" accent6="accent6" hlink="hlink" folHlink="folHlink"/>
+  <p:notesStyle>
+    <a:lvl1pPr marL="0" algn="l" defTabSz="914400" rtl="0" eaLnBrk="1" latinLnBrk="0" hangingPunct="1">
+      <a:defRPr sz="1200" kern="1200">
+        <a:solidFill>
+          <a:schemeClr val="tx1"/>
+        </a:solidFill>
+        <a:latin typeface="+mn-lt"/>
+        <a:ea typeface="+mn-ea"/>
+        <a:cs typeface="+mn-cs"/>
+      </a:defRPr>
+    </a:lvl1pPr>
+    <a:lvl2pPr marL="457200" algn="l" defTabSz="914400" rtl="0" eaLnBrk="1" latinLnBrk="0" hangingPunct="1">
+      <a:defRPr sz="1200" kern="1200">
+        <a:solidFill>
+          <a:schemeClr val="tx1"/>
+        </a:solidFill>
+        <a:latin typeface="+mn-lt"/>
+        <a:ea typeface="+mn-ea"/>
+        <a:cs typeface="+mn-cs"/>
+      </a:defRPr>
+    </a:lvl2pPr>
+    <a:lvl3pPr marL="914400" algn="l" defTabSz="914400" rtl="0" eaLnBrk="1" latinLnBrk="0" hangingPunct="1">
+      <a:defRPr sz="1200" kern="1200">
+        <a:solidFill>
+          <a:schemeClr val="tx1"/>
+        </a:solidFill>
+        <a:latin typeface="+mn-lt"/>
+        <a:ea typeface="+mn-ea"/>
+        <a:cs typeface="+mn-cs"/>
+      </a:defRPr>
+    </a:lvl3pPr>
+    <a:lvl4pPr marL="1371600" algn="l" defTabSz="914400" rtl="0" eaLnBrk="1" latinLnBrk="0" hangingPunct="1">
+      <a:defRPr sz="1200" kern="1200">
+        <a:solidFill>
+          <a:schemeClr val="tx1"/>
+        </a:solidFill>
+        <a:latin typeface="+mn-lt"/>
+        <a:ea typeface="+mn-ea"/>
+        <a:cs typeface="+mn-cs"/>
+      </a:defRPr>
+    </a:lvl4pPr>
+    <a:lvl5pPr marL="1828800" algn="l" defTabSz="914400" rtl="0" eaLnBrk="1" latinLnBrk="0" hangingPunct="1">
+      <a:defRPr sz="1200" kern="1200">
+        <a:solidFill>
+          <a:schemeClr val="tx1"/>
+        </a:solidFill>
+        <a:latin typeface="+mn-lt"/>
+        <a:ea typeface="+mn-ea"/>
+        <a:cs typeface="+mn-cs"/>
+      </a:defRPr>
+    </a:lvl5pPr>
+    <a:lvl6pPr marL="2286000" algn="l" defTabSz="914400" rtl="0" eaLnBrk="1" latinLnBrk="0" hangingPunct="1">
+      <a:defRPr sz="1200" kern="1200">
+        <a:solidFill>
+          <a:schemeClr val="tx1"/>
+        </a:solidFill>
+        <a:latin typeface="+mn-lt"/>
+        <a:ea typeface="+mn-ea"/>
+        <a:cs typeface="+mn-cs"/>
+      </a:defRPr>
+    </a:lvl6pPr>
+    <a:lvl7pPr marL="2743200" algn="l" defTabSz="914400" rtl="0" eaLnBrk="1" latinLnBrk="0" hangingPunct="1">
+      <a:defRPr sz="1200" kern="1200">
+        <a:solidFill>
+          <a:schemeClr val="tx1"/>
+        </a:solidFill>
+        <a:latin typeface="+mn-lt"/>
+        <a:ea typeface="+mn-ea"/>
+        <a:cs typeface="+mn-cs"/>
+      </a:defRPr>
+    </a:lvl7pPr>
+    <a:lvl8pPr marL="3200400" algn="l" defTabSz="914400" rtl="0" eaLnBrk="1" latinLnBrk="0" hangingPunct="1">
+      <a:defRPr sz="1200" kern="1200">
+        <a:solidFill>
+          <a:schemeClr val="tx1"/>
+        </a:solidFill>
+        <a:latin typeface="+mn-lt"/>
+        <a:ea typeface="+mn-ea"/>
+        <a:cs typeface="+mn-cs"/>
+      </a:defRPr>
+    </a:lvl8pPr>
+    <a:lvl9pPr marL="3657600" algn="l" defTabSz="914400" rtl="0" eaLnBrk="1" latinLnBrk="0" hangingPunct="1">
+      <a:defRPr sz="1200" kern="1200">
+        <a:solidFill>
+          <a:schemeClr val="tx1"/>
+        </a:solidFill>
+        <a:latin typeface="+mn-lt"/>
+        <a:ea typeface="+mn-ea"/>
+        <a:cs typeface="+mn-cs"/>
+      </a:defRPr>
+    </a:lvl9pPr>
+  </p:notesStyle>
+</p:notesMaster>
+</file>
+
+<file path=ppt/notesSlides/notesSlide1.xml><?xml version="1.0" encoding="utf-8"?>
+<p:notes xmlns:a="http://schemas.openxmlformats.org/drawingml/2006/main" xmlns:r="http://schemas.openxmlformats.org/officeDocument/2006/relationships" xmlns:p="http://schemas.openxmlformats.org/presentationml/2006/main">
+  <p:cSld>
+    <p:spTree>
+      <p:nvGrpSpPr>
+        <p:cNvPr id="1" name=""/>
+        <p:cNvGrpSpPr/>
+        <p:nvPr/>
+      </p:nvGrpSpPr>
+      <p:grpSpPr>
+        <a:xfrm>
+          <a:off x="0" y="0"/>
+          <a:ext cx="0" cy="0"/>
+          <a:chOff x="0" y="0"/>
+          <a:chExt cx="0" cy="0"/>
+        </a:xfrm>
+      </p:grpSpPr>
+      <p:sp>
+        <p:nvSpPr>
+          <p:cNvPr id="2" name="Slide Image Placeholder 1"/>
+          <p:cNvSpPr>
+            <a:spLocks noGrp="1" noRot="1" noChangeAspect="1"/>
+          </p:cNvSpPr>
+          <p:nvPr>
+            <p:ph type="sldImg"/>
+          </p:nvPr>
+        </p:nvSpPr>
+        <p:spPr/>
+      </p:sp>
+      <p:sp>
+        <p:nvSpPr>
+          <p:cNvPr id="3" name="Notes Placeholder 2"/>
+          <p:cNvSpPr>
+            <a:spLocks noGrp="1"/>
+          </p:cNvSpPr>
+          <p:nvPr>
+            <p:ph type="body" idx="1"/>
+          </p:nvPr>
+        </p:nvSpPr>
+        <p:spPr/>
+        <p:txBody>
+          <a:bodyPr/>
+          <a:lstStyle/>
+          <a:p>
+            <a:r>
+              <a:rPr lang="en-US" dirty="0"/>
+              <a:t>Hi my name is Hayden Dennis</a:t>
+            </a:r>
+          </a:p>
+          <a:p>
+            <a:r>
+              <a:rPr lang="en-US" dirty="0"/>
+              <a:t>Presenting project plan</a:t>
+            </a:r>
+          </a:p>
+          <a:p>
+            <a:r>
+              <a:rPr lang="en-US" dirty="0"/>
+              <a:t>game</a:t>
+            </a:r>
+            <a:endParaRPr lang="en-001" dirty="0"/>
+          </a:p>
+        </p:txBody>
+      </p:sp>
+      <p:sp>
+        <p:nvSpPr>
+          <p:cNvPr id="4" name="Slide Number Placeholder 3"/>
+          <p:cNvSpPr>
+            <a:spLocks noGrp="1"/>
+          </p:cNvSpPr>
+          <p:nvPr>
+            <p:ph type="sldNum" sz="quarter" idx="5"/>
+          </p:nvPr>
+        </p:nvSpPr>
+        <p:spPr/>
+        <p:txBody>
+          <a:bodyPr/>
+          <a:lstStyle/>
+          <a:p>
+            <a:fld id="{AA35E14C-0906-485E-9492-8D1923B67659}" type="slidenum">
+              <a:rPr lang="en-001" smtClean="0"/>
+              <a:t>1</a:t>
+            </a:fld>
+            <a:endParaRPr lang="en-001"/>
+          </a:p>
+        </p:txBody>
+      </p:sp>
+    </p:spTree>
+    <p:extLst>
+      <p:ext uri="{BB962C8B-B14F-4D97-AF65-F5344CB8AC3E}">
+        <p14:creationId xmlns:p14="http://schemas.microsoft.com/office/powerpoint/2010/main" val="3650335466"/>
+      </p:ext>
+    </p:extLst>
+  </p:cSld>
+  <p:clrMapOvr>
+    <a:masterClrMapping/>
+  </p:clrMapOvr>
+</p:notes>
+</file>
+
+<file path=ppt/notesSlides/notesSlide2.xml><?xml version="1.0" encoding="utf-8"?>
+<p:notes xmlns:a="http://schemas.openxmlformats.org/drawingml/2006/main" xmlns:r="http://schemas.openxmlformats.org/officeDocument/2006/relationships" xmlns:p="http://schemas.openxmlformats.org/presentationml/2006/main">
+  <p:cSld>
+    <p:spTree>
+      <p:nvGrpSpPr>
+        <p:cNvPr id="1" name=""/>
+        <p:cNvGrpSpPr/>
+        <p:nvPr/>
+      </p:nvGrpSpPr>
+      <p:grpSpPr>
+        <a:xfrm>
+          <a:off x="0" y="0"/>
+          <a:ext cx="0" cy="0"/>
+          <a:chOff x="0" y="0"/>
+          <a:chExt cx="0" cy="0"/>
+        </a:xfrm>
+      </p:grpSpPr>
+      <p:sp>
+        <p:nvSpPr>
+          <p:cNvPr id="2" name="Slide Image Placeholder 1"/>
+          <p:cNvSpPr>
+            <a:spLocks noGrp="1" noRot="1" noChangeAspect="1"/>
+          </p:cNvSpPr>
+          <p:nvPr>
+            <p:ph type="sldImg"/>
+          </p:nvPr>
+        </p:nvSpPr>
+        <p:spPr/>
+      </p:sp>
+      <p:sp>
+        <p:nvSpPr>
+          <p:cNvPr id="3" name="Notes Placeholder 2"/>
+          <p:cNvSpPr>
+            <a:spLocks noGrp="1"/>
+          </p:cNvSpPr>
+          <p:nvPr>
+            <p:ph type="body" idx="1"/>
+          </p:nvPr>
+        </p:nvSpPr>
+        <p:spPr/>
+        <p:txBody>
+          <a:bodyPr/>
+          <a:lstStyle/>
+          <a:p>
+            <a:r>
+              <a:rPr lang="en-US" dirty="0"/>
+              <a:t>Started late so I am the sole contributor </a:t>
+            </a:r>
+            <a:endParaRPr lang="en-001" dirty="0"/>
+          </a:p>
+        </p:txBody>
+      </p:sp>
+      <p:sp>
+        <p:nvSpPr>
+          <p:cNvPr id="4" name="Slide Number Placeholder 3"/>
+          <p:cNvSpPr>
+            <a:spLocks noGrp="1"/>
+          </p:cNvSpPr>
+          <p:nvPr>
+            <p:ph type="sldNum" sz="quarter" idx="5"/>
+          </p:nvPr>
+        </p:nvSpPr>
+        <p:spPr/>
+        <p:txBody>
+          <a:bodyPr/>
+          <a:lstStyle/>
+          <a:p>
+            <a:fld id="{AA35E14C-0906-485E-9492-8D1923B67659}" type="slidenum">
+              <a:rPr lang="en-001" smtClean="0"/>
+              <a:t>2</a:t>
+            </a:fld>
+            <a:endParaRPr lang="en-001"/>
+          </a:p>
+        </p:txBody>
+      </p:sp>
+    </p:spTree>
+    <p:extLst>
+      <p:ext uri="{BB962C8B-B14F-4D97-AF65-F5344CB8AC3E}">
+        <p14:creationId xmlns:p14="http://schemas.microsoft.com/office/powerpoint/2010/main" val="993231399"/>
+      </p:ext>
+    </p:extLst>
+  </p:cSld>
+  <p:clrMapOvr>
+    <a:masterClrMapping/>
+  </p:clrMapOvr>
+</p:notes>
+</file>
+
+<file path=ppt/notesSlides/notesSlide3.xml><?xml version="1.0" encoding="utf-8"?>
+<p:notes xmlns:a="http://schemas.openxmlformats.org/drawingml/2006/main" xmlns:r="http://schemas.openxmlformats.org/officeDocument/2006/relationships" xmlns:p="http://schemas.openxmlformats.org/presentationml/2006/main">
+  <p:cSld>
+    <p:spTree>
+      <p:nvGrpSpPr>
+        <p:cNvPr id="1" name=""/>
+        <p:cNvGrpSpPr/>
+        <p:nvPr/>
+      </p:nvGrpSpPr>
+      <p:grpSpPr>
+        <a:xfrm>
+          <a:off x="0" y="0"/>
+          <a:ext cx="0" cy="0"/>
+          <a:chOff x="0" y="0"/>
+          <a:chExt cx="0" cy="0"/>
+        </a:xfrm>
+      </p:grpSpPr>
+      <p:sp>
+        <p:nvSpPr>
+          <p:cNvPr id="2" name="Slide Image Placeholder 1"/>
+          <p:cNvSpPr>
+            <a:spLocks noGrp="1" noRot="1" noChangeAspect="1"/>
+          </p:cNvSpPr>
+          <p:nvPr>
+            <p:ph type="sldImg"/>
+          </p:nvPr>
+        </p:nvSpPr>
+        <p:spPr/>
+      </p:sp>
+      <p:sp>
+        <p:nvSpPr>
+          <p:cNvPr id="3" name="Notes Placeholder 2"/>
+          <p:cNvSpPr>
+            <a:spLocks noGrp="1"/>
+          </p:cNvSpPr>
+          <p:nvPr>
+            <p:ph type="body" idx="1"/>
+          </p:nvPr>
+        </p:nvSpPr>
+        <p:spPr/>
+        <p:txBody>
+          <a:bodyPr/>
+          <a:lstStyle/>
+          <a:p>
+            <a:pPr marL="171450" indent="-171450">
+              <a:buFont typeface="Arial" panose="020B0604020202020204" pitchFamily="34" charset="0"/>
+              <a:buChar char="•"/>
+            </a:pPr>
+            <a:r>
+              <a:rPr lang="en-US" dirty="0"/>
+              <a:t>Similarities with fall guys</a:t>
+            </a:r>
+          </a:p>
+          <a:p>
+            <a:pPr marL="171450" indent="-171450">
+              <a:buFont typeface="Arial" panose="020B0604020202020204" pitchFamily="34" charset="0"/>
+              <a:buChar char="•"/>
+            </a:pPr>
+            <a:r>
+              <a:rPr lang="en-US" dirty="0" err="1"/>
+              <a:t>Brainrot</a:t>
+            </a:r>
+            <a:r>
+              <a:rPr lang="en-US" dirty="0"/>
+              <a:t> games</a:t>
+            </a:r>
+          </a:p>
+          <a:p>
+            <a:pPr marL="171450" indent="-171450">
+              <a:buFont typeface="Arial" panose="020B0604020202020204" pitchFamily="34" charset="0"/>
+              <a:buChar char="•"/>
+            </a:pPr>
+            <a:r>
+              <a:rPr lang="en-US" dirty="0"/>
+              <a:t>Paid features</a:t>
+            </a:r>
+            <a:endParaRPr lang="en-001" dirty="0"/>
+          </a:p>
+        </p:txBody>
+      </p:sp>
+      <p:sp>
+        <p:nvSpPr>
+          <p:cNvPr id="4" name="Slide Number Placeholder 3"/>
+          <p:cNvSpPr>
+            <a:spLocks noGrp="1"/>
+          </p:cNvSpPr>
+          <p:nvPr>
+            <p:ph type="sldNum" sz="quarter" idx="5"/>
+          </p:nvPr>
+        </p:nvSpPr>
+        <p:spPr/>
+        <p:txBody>
+          <a:bodyPr/>
+          <a:lstStyle/>
+          <a:p>
+            <a:fld id="{AA35E14C-0906-485E-9492-8D1923B67659}" type="slidenum">
+              <a:rPr lang="en-001" smtClean="0"/>
+              <a:t>3</a:t>
+            </a:fld>
+            <a:endParaRPr lang="en-001"/>
+          </a:p>
+        </p:txBody>
+      </p:sp>
+    </p:spTree>
+    <p:extLst>
+      <p:ext uri="{BB962C8B-B14F-4D97-AF65-F5344CB8AC3E}">
+        <p14:creationId xmlns:p14="http://schemas.microsoft.com/office/powerpoint/2010/main" val="2054204962"/>
+      </p:ext>
+    </p:extLst>
+  </p:cSld>
+  <p:clrMapOvr>
+    <a:masterClrMapping/>
+  </p:clrMapOvr>
+</p:notes>
+</file>
+
 <file path=ppt/slideLayouts/slideLayout1.xml><?xml version="1.0" encoding="utf-8"?>
 <p:sldLayout xmlns:a="http://schemas.openxmlformats.org/drawingml/2006/main" xmlns:r="http://schemas.openxmlformats.org/officeDocument/2006/relationships" xmlns:p="http://schemas.openxmlformats.org/presentationml/2006/main" type="title" preserve="1">
   <p:cSld name="Title Slide">
@@ -268,7 +927,7 @@
           <a:p>
             <a:fld id="{9245BF56-8465-4FFB-B48D-453AF47B0D77}" type="datetimeFigureOut">
               <a:rPr lang="en-001" smtClean="0"/>
-              <a:t>19/11/2025</a:t>
+              <a:t>21/11/2025</a:t>
             </a:fld>
             <a:endParaRPr lang="en-001"/>
           </a:p>
@@ -468,7 +1127,7 @@
           <a:p>
             <a:fld id="{9245BF56-8465-4FFB-B48D-453AF47B0D77}" type="datetimeFigureOut">
               <a:rPr lang="en-001" smtClean="0"/>
-              <a:t>19/11/2025</a:t>
+              <a:t>21/11/2025</a:t>
             </a:fld>
             <a:endParaRPr lang="en-001"/>
           </a:p>
@@ -678,7 +1337,7 @@
           <a:p>
             <a:fld id="{9245BF56-8465-4FFB-B48D-453AF47B0D77}" type="datetimeFigureOut">
               <a:rPr lang="en-001" smtClean="0"/>
-              <a:t>19/11/2025</a:t>
+              <a:t>21/11/2025</a:t>
             </a:fld>
             <a:endParaRPr lang="en-001"/>
           </a:p>
@@ -878,7 +1537,7 @@
           <a:p>
             <a:fld id="{9245BF56-8465-4FFB-B48D-453AF47B0D77}" type="datetimeFigureOut">
               <a:rPr lang="en-001" smtClean="0"/>
-              <a:t>19/11/2025</a:t>
+              <a:t>21/11/2025</a:t>
             </a:fld>
             <a:endParaRPr lang="en-001"/>
           </a:p>
@@ -1154,7 +1813,7 @@
           <a:p>
             <a:fld id="{9245BF56-8465-4FFB-B48D-453AF47B0D77}" type="datetimeFigureOut">
               <a:rPr lang="en-001" smtClean="0"/>
-              <a:t>19/11/2025</a:t>
+              <a:t>21/11/2025</a:t>
             </a:fld>
             <a:endParaRPr lang="en-001"/>
           </a:p>
@@ -1422,7 +2081,7 @@
           <a:p>
             <a:fld id="{9245BF56-8465-4FFB-B48D-453AF47B0D77}" type="datetimeFigureOut">
               <a:rPr lang="en-001" smtClean="0"/>
-              <a:t>19/11/2025</a:t>
+              <a:t>21/11/2025</a:t>
             </a:fld>
             <a:endParaRPr lang="en-001"/>
           </a:p>
@@ -1837,7 +2496,7 @@
           <a:p>
             <a:fld id="{9245BF56-8465-4FFB-B48D-453AF47B0D77}" type="datetimeFigureOut">
               <a:rPr lang="en-001" smtClean="0"/>
-              <a:t>19/11/2025</a:t>
+              <a:t>21/11/2025</a:t>
             </a:fld>
             <a:endParaRPr lang="en-001"/>
           </a:p>
@@ -1979,7 +2638,7 @@
           <a:p>
             <a:fld id="{9245BF56-8465-4FFB-B48D-453AF47B0D77}" type="datetimeFigureOut">
               <a:rPr lang="en-001" smtClean="0"/>
-              <a:t>19/11/2025</a:t>
+              <a:t>21/11/2025</a:t>
             </a:fld>
             <a:endParaRPr lang="en-001"/>
           </a:p>
@@ -2092,7 +2751,7 @@
           <a:p>
             <a:fld id="{9245BF56-8465-4FFB-B48D-453AF47B0D77}" type="datetimeFigureOut">
               <a:rPr lang="en-001" smtClean="0"/>
-              <a:t>19/11/2025</a:t>
+              <a:t>21/11/2025</a:t>
             </a:fld>
             <a:endParaRPr lang="en-001"/>
           </a:p>
@@ -2405,7 +3064,7 @@
           <a:p>
             <a:fld id="{9245BF56-8465-4FFB-B48D-453AF47B0D77}" type="datetimeFigureOut">
               <a:rPr lang="en-001" smtClean="0"/>
-              <a:t>19/11/2025</a:t>
+              <a:t>21/11/2025</a:t>
             </a:fld>
             <a:endParaRPr lang="en-001"/>
           </a:p>
@@ -2694,7 +3353,7 @@
           <a:p>
             <a:fld id="{9245BF56-8465-4FFB-B48D-453AF47B0D77}" type="datetimeFigureOut">
               <a:rPr lang="en-001" smtClean="0"/>
-              <a:t>19/11/2025</a:t>
+              <a:t>21/11/2025</a:t>
             </a:fld>
             <a:endParaRPr lang="en-001"/>
           </a:p>
@@ -2937,7 +3596,7 @@
           <a:p>
             <a:fld id="{9245BF56-8465-4FFB-B48D-453AF47B0D77}" type="datetimeFigureOut">
               <a:rPr lang="en-001" smtClean="0"/>
-              <a:t>19/11/2025</a:t>
+              <a:t>21/11/2025</a:t>
             </a:fld>
             <a:endParaRPr lang="en-001"/>
           </a:p>
@@ -3425,6 +4084,106 @@
 </p:sld>
 </file>
 
+<file path=ppt/slides/slide10.xml><?xml version="1.0" encoding="utf-8"?>
+<p:sld xmlns:a="http://schemas.openxmlformats.org/drawingml/2006/main" xmlns:r="http://schemas.openxmlformats.org/officeDocument/2006/relationships" xmlns:p="http://schemas.openxmlformats.org/presentationml/2006/main">
+  <p:cSld>
+    <p:spTree>
+      <p:nvGrpSpPr>
+        <p:cNvPr id="1" name=""/>
+        <p:cNvGrpSpPr/>
+        <p:nvPr/>
+      </p:nvGrpSpPr>
+      <p:grpSpPr>
+        <a:xfrm>
+          <a:off x="0" y="0"/>
+          <a:ext cx="0" cy="0"/>
+          <a:chOff x="0" y="0"/>
+          <a:chExt cx="0" cy="0"/>
+        </a:xfrm>
+      </p:grpSpPr>
+      <p:sp>
+        <p:nvSpPr>
+          <p:cNvPr id="2" name="Title 1">
+            <a:extLst>
+              <a:ext uri="{FF2B5EF4-FFF2-40B4-BE49-F238E27FC236}">
+                <a16:creationId xmlns:a16="http://schemas.microsoft.com/office/drawing/2014/main" id="{18654137-EF46-9031-5EF7-5D0D666D3A75}"/>
+              </a:ext>
+            </a:extLst>
+          </p:cNvPr>
+          <p:cNvSpPr>
+            <a:spLocks noGrp="1"/>
+          </p:cNvSpPr>
+          <p:nvPr>
+            <p:ph type="title"/>
+          </p:nvPr>
+        </p:nvSpPr>
+        <p:spPr/>
+        <p:txBody>
+          <a:bodyPr/>
+          <a:lstStyle/>
+          <a:p>
+            <a:r>
+              <a:rPr lang="en-US" dirty="0"/>
+              <a:t>End of term expectations</a:t>
+            </a:r>
+            <a:endParaRPr lang="en-001" dirty="0"/>
+          </a:p>
+        </p:txBody>
+      </p:sp>
+      <p:sp>
+        <p:nvSpPr>
+          <p:cNvPr id="3" name="Content Placeholder 2">
+            <a:extLst>
+              <a:ext uri="{FF2B5EF4-FFF2-40B4-BE49-F238E27FC236}">
+                <a16:creationId xmlns:a16="http://schemas.microsoft.com/office/drawing/2014/main" id="{D7E6507F-0321-086E-1EA5-12DA9CDCD9CE}"/>
+              </a:ext>
+            </a:extLst>
+          </p:cNvPr>
+          <p:cNvSpPr>
+            <a:spLocks noGrp="1"/>
+          </p:cNvSpPr>
+          <p:nvPr>
+            <p:ph idx="1"/>
+          </p:nvPr>
+        </p:nvSpPr>
+        <p:spPr/>
+        <p:txBody>
+          <a:bodyPr/>
+          <a:lstStyle/>
+          <a:p>
+            <a:r>
+              <a:rPr lang="en-US" dirty="0"/>
+              <a:t>Have all file-based uploads completed</a:t>
+            </a:r>
+          </a:p>
+          <a:p>
+            <a:r>
+              <a:rPr lang="en-US" dirty="0"/>
+              <a:t>Full complete guest and user session relation for users joining through a game code.</a:t>
+            </a:r>
+          </a:p>
+          <a:p>
+            <a:r>
+              <a:rPr lang="en-US" dirty="0"/>
+              <a:t>Have all LLM-powered backend features fill implemented</a:t>
+            </a:r>
+            <a:endParaRPr lang="en-001" dirty="0"/>
+          </a:p>
+        </p:txBody>
+      </p:sp>
+    </p:spTree>
+    <p:extLst>
+      <p:ext uri="{BB962C8B-B14F-4D97-AF65-F5344CB8AC3E}">
+        <p14:creationId xmlns:p14="http://schemas.microsoft.com/office/powerpoint/2010/main" val="847143229"/>
+      </p:ext>
+    </p:extLst>
+  </p:cSld>
+  <p:clrMapOvr>
+    <a:masterClrMapping/>
+  </p:clrMapOvr>
+</p:sld>
+</file>
+
 <file path=ppt/slides/slide2.xml><?xml version="1.0" encoding="utf-8"?>
 <p:sld xmlns:a="http://schemas.openxmlformats.org/drawingml/2006/main" xmlns:r="http://schemas.openxmlformats.org/officeDocument/2006/relationships" xmlns:p="http://schemas.openxmlformats.org/presentationml/2006/main">
   <p:cSld>
@@ -3519,7 +4278,7 @@
             </a:pPr>
             <a:r>
               <a:rPr lang="en-US" dirty="0"/>
-              <a:t>Academic Advisor: Austin Coontz</a:t>
+              <a:t>Industry Advisor: Austin Coontz</a:t>
             </a:r>
           </a:p>
           <a:p>
@@ -3607,7 +4366,26 @@
           <a:bodyPr/>
           <a:lstStyle/>
           <a:p>
-            <a:endParaRPr lang="en-001"/>
+            <a:pPr marL="0" indent="0">
+              <a:buNone/>
+            </a:pPr>
+            <a:r>
+              <a:rPr lang="en-US" dirty="0" err="1"/>
+              <a:t>Bintrong</a:t>
+            </a:r>
+            <a:r>
+              <a:rPr lang="en-US" dirty="0"/>
+              <a:t> game is a designed to be a free accessible game for students to study questions using competition. A key goal is make the </a:t>
+            </a:r>
+            <a:r>
+              <a:rPr lang="en-US"/>
+              <a:t>solution freeware </a:t>
+            </a:r>
+            <a:r>
+              <a:rPr lang="en-US" dirty="0"/>
+              <a:t>so anyone can host it for free. The plan is for the game application to provide options for generating card packs via LLM.</a:t>
+            </a:r>
+            <a:endParaRPr lang="en-001" dirty="0"/>
           </a:p>
         </p:txBody>
       </p:sp>
@@ -3691,7 +4469,32 @@
           <a:bodyPr/>
           <a:lstStyle/>
           <a:p>
-            <a:endParaRPr lang="en-001"/>
+            <a:pPr marL="514350" indent="-514350">
+              <a:buAutoNum type="arabicPeriod"/>
+            </a:pPr>
+            <a:r>
+              <a:rPr lang="en-US" dirty="0"/>
+              <a:t>As a student, I want to be able to review and study in the form of a game to effectively cover materials in a small group.</a:t>
+            </a:r>
+          </a:p>
+          <a:p>
+            <a:pPr marL="514350" indent="-514350">
+              <a:buAutoNum type="arabicPeriod"/>
+            </a:pPr>
+            <a:r>
+              <a:rPr lang="en-US" dirty="0"/>
+              <a:t> As a student, I want to be able to automatically generate flashcards via LLM in order to rapidly review material.</a:t>
+            </a:r>
+          </a:p>
+          <a:p>
+            <a:pPr marL="514350" indent="-514350">
+              <a:buAutoNum type="arabicPeriod"/>
+            </a:pPr>
+            <a:r>
+              <a:rPr lang="en-US" dirty="0"/>
+              <a:t>As a teacher, I want a game to review materials to engage with students during classroom review sessions.</a:t>
+            </a:r>
+            <a:endParaRPr lang="en-001" dirty="0"/>
           </a:p>
         </p:txBody>
       </p:sp>
@@ -3748,37 +4551,47 @@
           <a:p>
             <a:r>
               <a:rPr lang="en-US" dirty="0"/>
-              <a:t>Design diagrams</a:t>
+              <a:t>D0</a:t>
             </a:r>
             <a:endParaRPr lang="en-001" dirty="0"/>
           </a:p>
         </p:txBody>
       </p:sp>
-      <p:sp>
-        <p:nvSpPr>
-          <p:cNvPr id="3" name="Content Placeholder 2">
-            <a:extLst>
-              <a:ext uri="{FF2B5EF4-FFF2-40B4-BE49-F238E27FC236}">
-                <a16:creationId xmlns:a16="http://schemas.microsoft.com/office/drawing/2014/main" id="{A9F072CF-CC40-0EB3-690D-7E3094158861}"/>
-              </a:ext>
-            </a:extLst>
-          </p:cNvPr>
-          <p:cNvSpPr>
-            <a:spLocks noGrp="1"/>
-          </p:cNvSpPr>
+      <p:pic>
+        <p:nvPicPr>
+          <p:cNvPr id="5" name="Content Placeholder 4" descr="A screenshot of a computer flowchart&#10;&#10;AI-generated content may be incorrect.">
+            <a:extLst>
+              <a:ext uri="{FF2B5EF4-FFF2-40B4-BE49-F238E27FC236}">
+                <a16:creationId xmlns:a16="http://schemas.microsoft.com/office/drawing/2014/main" id="{B30AC538-9D45-D00D-9692-80A8B5D7FE68}"/>
+              </a:ext>
+            </a:extLst>
+          </p:cNvPr>
+          <p:cNvPicPr>
+            <a:picLocks noGrp="1" noChangeAspect="1"/>
+          </p:cNvPicPr>
           <p:nvPr>
             <p:ph idx="1"/>
           </p:nvPr>
-        </p:nvSpPr>
-        <p:spPr/>
-        <p:txBody>
-          <a:bodyPr/>
-          <a:lstStyle/>
-          <a:p>
-            <a:endParaRPr lang="en-001"/>
-          </a:p>
-        </p:txBody>
-      </p:sp>
+        </p:nvPicPr>
+        <p:blipFill>
+          <a:blip r:embed="rId2">
+            <a:extLst>
+              <a:ext uri="{28A0092B-C50C-407E-A947-70E740481C1C}">
+                <a14:useLocalDpi xmlns:a14="http://schemas.microsoft.com/office/drawing/2010/main" val="0"/>
+              </a:ext>
+            </a:extLst>
+          </a:blip>
+          <a:stretch>
+            <a:fillRect/>
+          </a:stretch>
+        </p:blipFill>
+        <p:spPr>
+          <a:xfrm>
+            <a:off x="316029" y="0"/>
+            <a:ext cx="11559941" cy="6859550"/>
+          </a:xfrm>
+        </p:spPr>
+      </p:pic>
     </p:spTree>
     <p:extLst>
       <p:ext uri="{BB962C8B-B14F-4D97-AF65-F5344CB8AC3E}">
@@ -3814,7 +4627,7 @@
           <p:cNvPr id="2" name="Title 1">
             <a:extLst>
               <a:ext uri="{FF2B5EF4-FFF2-40B4-BE49-F238E27FC236}">
-                <a16:creationId xmlns:a16="http://schemas.microsoft.com/office/drawing/2014/main" id="{C97FE11C-3A25-439A-1772-A11C65B5C0DB}"/>
+                <a16:creationId xmlns:a16="http://schemas.microsoft.com/office/drawing/2014/main" id="{BCFC4134-BE54-C924-3239-D59BAA9E124E}"/>
               </a:ext>
             </a:extLst>
           </p:cNvPr>
@@ -3832,41 +4645,51 @@
           <a:p>
             <a:r>
               <a:rPr lang="en-US" dirty="0"/>
-              <a:t>Project constraints</a:t>
+              <a:t>D1</a:t>
             </a:r>
             <a:endParaRPr lang="en-001" dirty="0"/>
           </a:p>
         </p:txBody>
       </p:sp>
-      <p:sp>
-        <p:nvSpPr>
-          <p:cNvPr id="3" name="Content Placeholder 2">
-            <a:extLst>
-              <a:ext uri="{FF2B5EF4-FFF2-40B4-BE49-F238E27FC236}">
-                <a16:creationId xmlns:a16="http://schemas.microsoft.com/office/drawing/2014/main" id="{1AB52CA9-4321-7B19-BDEF-711CB1E9630C}"/>
-              </a:ext>
-            </a:extLst>
-          </p:cNvPr>
-          <p:cNvSpPr>
-            <a:spLocks noGrp="1"/>
-          </p:cNvSpPr>
+      <p:pic>
+        <p:nvPicPr>
+          <p:cNvPr id="5" name="Content Placeholder 4" descr="A diagram of a computer&#10;&#10;AI-generated content may be incorrect.">
+            <a:extLst>
+              <a:ext uri="{FF2B5EF4-FFF2-40B4-BE49-F238E27FC236}">
+                <a16:creationId xmlns:a16="http://schemas.microsoft.com/office/drawing/2014/main" id="{818013A6-84D1-0530-F564-9B697D4DBAE0}"/>
+              </a:ext>
+            </a:extLst>
+          </p:cNvPr>
+          <p:cNvPicPr>
+            <a:picLocks noGrp="1" noChangeAspect="1"/>
+          </p:cNvPicPr>
           <p:nvPr>
             <p:ph idx="1"/>
           </p:nvPr>
-        </p:nvSpPr>
-        <p:spPr/>
-        <p:txBody>
-          <a:bodyPr/>
-          <a:lstStyle/>
-          <a:p>
-            <a:endParaRPr lang="en-001"/>
-          </a:p>
-        </p:txBody>
-      </p:sp>
+        </p:nvPicPr>
+        <p:blipFill>
+          <a:blip r:embed="rId2">
+            <a:extLst>
+              <a:ext uri="{28A0092B-C50C-407E-A947-70E740481C1C}">
+                <a14:useLocalDpi xmlns:a14="http://schemas.microsoft.com/office/drawing/2010/main" val="0"/>
+              </a:ext>
+            </a:extLst>
+          </a:blip>
+          <a:stretch>
+            <a:fillRect/>
+          </a:stretch>
+        </p:blipFill>
+        <p:spPr>
+          <a:xfrm>
+            <a:off x="317334" y="0"/>
+            <a:ext cx="11557330" cy="6858000"/>
+          </a:xfrm>
+        </p:spPr>
+      </p:pic>
     </p:spTree>
     <p:extLst>
       <p:ext uri="{BB962C8B-B14F-4D97-AF65-F5344CB8AC3E}">
-        <p14:creationId xmlns:p14="http://schemas.microsoft.com/office/powerpoint/2010/main" val="2317199377"/>
+        <p14:creationId xmlns:p14="http://schemas.microsoft.com/office/powerpoint/2010/main" val="874549030"/>
       </p:ext>
     </p:extLst>
   </p:cSld>
@@ -3898,7 +4721,7 @@
           <p:cNvPr id="2" name="Title 1">
             <a:extLst>
               <a:ext uri="{FF2B5EF4-FFF2-40B4-BE49-F238E27FC236}">
-                <a16:creationId xmlns:a16="http://schemas.microsoft.com/office/drawing/2014/main" id="{0C64F0EE-9D1E-AF32-05AF-0323D0D3544F}"/>
+                <a16:creationId xmlns:a16="http://schemas.microsoft.com/office/drawing/2014/main" id="{6395BDEC-8DF5-A20F-F6C0-2B4D3BB355E2}"/>
               </a:ext>
             </a:extLst>
           </p:cNvPr>
@@ -3916,41 +4739,51 @@
           <a:p>
             <a:r>
               <a:rPr lang="en-US" dirty="0"/>
-              <a:t>State of things</a:t>
+              <a:t>D3</a:t>
             </a:r>
             <a:endParaRPr lang="en-001" dirty="0"/>
           </a:p>
         </p:txBody>
       </p:sp>
-      <p:sp>
-        <p:nvSpPr>
-          <p:cNvPr id="3" name="Content Placeholder 2">
-            <a:extLst>
-              <a:ext uri="{FF2B5EF4-FFF2-40B4-BE49-F238E27FC236}">
-                <a16:creationId xmlns:a16="http://schemas.microsoft.com/office/drawing/2014/main" id="{3D7850A2-9C05-BD12-DD7A-C5513C3FB0CF}"/>
-              </a:ext>
-            </a:extLst>
-          </p:cNvPr>
-          <p:cNvSpPr>
-            <a:spLocks noGrp="1"/>
-          </p:cNvSpPr>
+      <p:pic>
+        <p:nvPicPr>
+          <p:cNvPr id="5" name="Content Placeholder 4" descr="A screenshot of a computer&#10;&#10;AI-generated content may be incorrect.">
+            <a:extLst>
+              <a:ext uri="{FF2B5EF4-FFF2-40B4-BE49-F238E27FC236}">
+                <a16:creationId xmlns:a16="http://schemas.microsoft.com/office/drawing/2014/main" id="{29FE3DA2-DEBF-214D-9CA2-B350A01F440C}"/>
+              </a:ext>
+            </a:extLst>
+          </p:cNvPr>
+          <p:cNvPicPr>
+            <a:picLocks noGrp="1" noChangeAspect="1"/>
+          </p:cNvPicPr>
           <p:nvPr>
             <p:ph idx="1"/>
           </p:nvPr>
-        </p:nvSpPr>
-        <p:spPr/>
-        <p:txBody>
-          <a:bodyPr/>
-          <a:lstStyle/>
-          <a:p>
-            <a:endParaRPr lang="en-001"/>
-          </a:p>
-        </p:txBody>
-      </p:sp>
+        </p:nvPicPr>
+        <p:blipFill>
+          <a:blip r:embed="rId2">
+            <a:extLst>
+              <a:ext uri="{28A0092B-C50C-407E-A947-70E740481C1C}">
+                <a14:useLocalDpi xmlns:a14="http://schemas.microsoft.com/office/drawing/2010/main" val="0"/>
+              </a:ext>
+            </a:extLst>
+          </a:blip>
+          <a:stretch>
+            <a:fillRect/>
+          </a:stretch>
+        </p:blipFill>
+        <p:spPr>
+          <a:xfrm>
+            <a:off x="317336" y="0"/>
+            <a:ext cx="11557328" cy="6858000"/>
+          </a:xfrm>
+        </p:spPr>
+      </p:pic>
     </p:spTree>
     <p:extLst>
       <p:ext uri="{BB962C8B-B14F-4D97-AF65-F5344CB8AC3E}">
-        <p14:creationId xmlns:p14="http://schemas.microsoft.com/office/powerpoint/2010/main" val="1347057200"/>
+        <p14:creationId xmlns:p14="http://schemas.microsoft.com/office/powerpoint/2010/main" val="3254731840"/>
       </p:ext>
     </p:extLst>
   </p:cSld>
@@ -3982,7 +4815,7 @@
           <p:cNvPr id="2" name="Title 1">
             <a:extLst>
               <a:ext uri="{FF2B5EF4-FFF2-40B4-BE49-F238E27FC236}">
-                <a16:creationId xmlns:a16="http://schemas.microsoft.com/office/drawing/2014/main" id="{18654137-EF46-9031-5EF7-5D0D666D3A75}"/>
+                <a16:creationId xmlns:a16="http://schemas.microsoft.com/office/drawing/2014/main" id="{C97FE11C-3A25-439A-1772-A11C65B5C0DB}"/>
               </a:ext>
             </a:extLst>
           </p:cNvPr>
@@ -4000,7 +4833,7 @@
           <a:p>
             <a:r>
               <a:rPr lang="en-US" dirty="0"/>
-              <a:t>End of term expectations</a:t>
+              <a:t>Project constraints</a:t>
             </a:r>
             <a:endParaRPr lang="en-001" dirty="0"/>
           </a:p>
@@ -4011,7 +4844,7 @@
           <p:cNvPr id="3" name="Content Placeholder 2">
             <a:extLst>
               <a:ext uri="{FF2B5EF4-FFF2-40B4-BE49-F238E27FC236}">
-                <a16:creationId xmlns:a16="http://schemas.microsoft.com/office/drawing/2014/main" id="{D7E6507F-0321-086E-1EA5-12DA9CDCD9CE}"/>
+                <a16:creationId xmlns:a16="http://schemas.microsoft.com/office/drawing/2014/main" id="{1AB52CA9-4321-7B19-BDEF-711CB1E9630C}"/>
               </a:ext>
             </a:extLst>
           </p:cNvPr>
@@ -4027,14 +4860,188 @@
           <a:bodyPr/>
           <a:lstStyle/>
           <a:p>
-            <a:endParaRPr lang="en-001"/>
+            <a:r>
+              <a:rPr lang="en-US" dirty="0"/>
+              <a:t>Economic:</a:t>
+            </a:r>
+          </a:p>
+          <a:p>
+            <a:pPr lvl="1"/>
+            <a:r>
+              <a:rPr lang="en-US" dirty="0"/>
+              <a:t>Hosting costs</a:t>
+            </a:r>
+          </a:p>
+          <a:p>
+            <a:pPr lvl="1"/>
+            <a:r>
+              <a:rPr lang="en-US" dirty="0"/>
+              <a:t>Anything spent on assets</a:t>
+            </a:r>
+          </a:p>
+          <a:p>
+            <a:r>
+              <a:rPr lang="en-US" dirty="0"/>
+              <a:t>Security</a:t>
+            </a:r>
+          </a:p>
+          <a:p>
+            <a:pPr lvl="1"/>
+            <a:r>
+              <a:rPr lang="en-US" dirty="0"/>
+              <a:t>Account file uploads</a:t>
+            </a:r>
+          </a:p>
+          <a:p>
+            <a:r>
+              <a:rPr lang="en-US" dirty="0"/>
+              <a:t>Legal</a:t>
+            </a:r>
+          </a:p>
+          <a:p>
+            <a:pPr lvl="1"/>
+            <a:endParaRPr lang="en-US" dirty="0"/>
+          </a:p>
+          <a:p>
+            <a:pPr marL="457200" lvl="1" indent="0">
+              <a:buNone/>
+            </a:pPr>
+            <a:br>
+              <a:rPr lang="en-US" dirty="0"/>
+            </a:br>
+            <a:endParaRPr lang="en-US" dirty="0"/>
           </a:p>
         </p:txBody>
       </p:sp>
     </p:spTree>
     <p:extLst>
       <p:ext uri="{BB962C8B-B14F-4D97-AF65-F5344CB8AC3E}">
-        <p14:creationId xmlns:p14="http://schemas.microsoft.com/office/powerpoint/2010/main" val="847143229"/>
+        <p14:creationId xmlns:p14="http://schemas.microsoft.com/office/powerpoint/2010/main" val="2317199377"/>
+      </p:ext>
+    </p:extLst>
+  </p:cSld>
+  <p:clrMapOvr>
+    <a:masterClrMapping/>
+  </p:clrMapOvr>
+</p:sld>
+</file>
+
+<file path=ppt/slides/slide9.xml><?xml version="1.0" encoding="utf-8"?>
+<p:sld xmlns:a="http://schemas.openxmlformats.org/drawingml/2006/main" xmlns:r="http://schemas.openxmlformats.org/officeDocument/2006/relationships" xmlns:p="http://schemas.openxmlformats.org/presentationml/2006/main">
+  <p:cSld>
+    <p:spTree>
+      <p:nvGrpSpPr>
+        <p:cNvPr id="1" name=""/>
+        <p:cNvGrpSpPr/>
+        <p:nvPr/>
+      </p:nvGrpSpPr>
+      <p:grpSpPr>
+        <a:xfrm>
+          <a:off x="0" y="0"/>
+          <a:ext cx="0" cy="0"/>
+          <a:chOff x="0" y="0"/>
+          <a:chExt cx="0" cy="0"/>
+        </a:xfrm>
+      </p:grpSpPr>
+      <p:sp>
+        <p:nvSpPr>
+          <p:cNvPr id="2" name="Title 1">
+            <a:extLst>
+              <a:ext uri="{FF2B5EF4-FFF2-40B4-BE49-F238E27FC236}">
+                <a16:creationId xmlns:a16="http://schemas.microsoft.com/office/drawing/2014/main" id="{B92FEAE8-BFA9-6D42-BB68-732E55F3F8D5}"/>
+              </a:ext>
+            </a:extLst>
+          </p:cNvPr>
+          <p:cNvSpPr>
+            <a:spLocks noGrp="1"/>
+          </p:cNvSpPr>
+          <p:nvPr>
+            <p:ph type="title"/>
+          </p:nvPr>
+        </p:nvSpPr>
+        <p:spPr/>
+        <p:txBody>
+          <a:bodyPr/>
+          <a:lstStyle/>
+          <a:p>
+            <a:r>
+              <a:rPr lang="en-US" dirty="0"/>
+              <a:t>Current State</a:t>
+            </a:r>
+            <a:endParaRPr lang="en-001" dirty="0"/>
+          </a:p>
+        </p:txBody>
+      </p:sp>
+      <p:sp>
+        <p:nvSpPr>
+          <p:cNvPr id="3" name="Content Placeholder 2">
+            <a:extLst>
+              <a:ext uri="{FF2B5EF4-FFF2-40B4-BE49-F238E27FC236}">
+                <a16:creationId xmlns:a16="http://schemas.microsoft.com/office/drawing/2014/main" id="{EC8EC5BC-CBA1-2414-3722-71631F0FACE7}"/>
+              </a:ext>
+            </a:extLst>
+          </p:cNvPr>
+          <p:cNvSpPr>
+            <a:spLocks noGrp="1"/>
+          </p:cNvSpPr>
+          <p:nvPr>
+            <p:ph idx="1"/>
+          </p:nvPr>
+        </p:nvSpPr>
+        <p:spPr/>
+        <p:txBody>
+          <a:bodyPr/>
+          <a:lstStyle/>
+          <a:p>
+            <a:r>
+              <a:rPr lang="en-US" dirty="0"/>
+              <a:t>Implemented database tables for users</a:t>
+            </a:r>
+          </a:p>
+          <a:p>
+            <a:r>
+              <a:rPr lang="en-US" dirty="0"/>
+              <a:t>Midway through implemented file storage</a:t>
+            </a:r>
+          </a:p>
+          <a:p>
+            <a:r>
+              <a:rPr lang="en-US" dirty="0"/>
+              <a:t>Most infrastructure is setup for local:</a:t>
+            </a:r>
+          </a:p>
+          <a:p>
+            <a:pPr lvl="1"/>
+            <a:r>
+              <a:rPr lang="en-US" dirty="0"/>
+              <a:t>DB</a:t>
+            </a:r>
+          </a:p>
+          <a:p>
+            <a:pPr lvl="1"/>
+            <a:r>
+              <a:rPr lang="en-US" dirty="0"/>
+              <a:t>S3</a:t>
+            </a:r>
+          </a:p>
+          <a:p>
+            <a:pPr lvl="1"/>
+            <a:r>
+              <a:rPr lang="en-US" dirty="0"/>
+              <a:t>LLM – </a:t>
+            </a:r>
+            <a:r>
+              <a:rPr lang="en-US" dirty="0" err="1"/>
+              <a:t>sglang</a:t>
+            </a:r>
+            <a:endParaRPr lang="en-US" dirty="0"/>
+          </a:p>
+        </p:txBody>
+      </p:sp>
+    </p:spTree>
+    <p:extLst>
+      <p:ext uri="{BB962C8B-B14F-4D97-AF65-F5344CB8AC3E}">
+        <p14:creationId xmlns:p14="http://schemas.microsoft.com/office/powerpoint/2010/main" val="2730158398"/>
       </p:ext>
     </p:extLst>
   </p:cSld>
@@ -4357,4 +5364,319 @@
     </a:ext>
   </a:extLst>
 </a:theme>
+</file>
+
+<file path=ppt/theme/theme2.xml><?xml version="1.0" encoding="utf-8"?>
+<a:theme xmlns:a="http://schemas.openxmlformats.org/drawingml/2006/main" name="Office Theme">
+  <a:themeElements>
+    <a:clrScheme name="Office">
+      <a:dk1>
+        <a:sysClr val="windowText" lastClr="000000"/>
+      </a:dk1>
+      <a:lt1>
+        <a:sysClr val="window" lastClr="FFFFFF"/>
+      </a:lt1>
+      <a:dk2>
+        <a:srgbClr val="0E2841"/>
+      </a:dk2>
+      <a:lt2>
+        <a:srgbClr val="E8E8E8"/>
+      </a:lt2>
+      <a:accent1>
+        <a:srgbClr val="156082"/>
+      </a:accent1>
+      <a:accent2>
+        <a:srgbClr val="E97132"/>
+      </a:accent2>
+      <a:accent3>
+        <a:srgbClr val="196B24"/>
+      </a:accent3>
+      <a:accent4>
+        <a:srgbClr val="0F9ED5"/>
+      </a:accent4>
+      <a:accent5>
+        <a:srgbClr val="A02B93"/>
+      </a:accent5>
+      <a:accent6>
+        <a:srgbClr val="4EA72E"/>
+      </a:accent6>
+      <a:hlink>
+        <a:srgbClr val="467886"/>
+      </a:hlink>
+      <a:folHlink>
+        <a:srgbClr val="96607D"/>
+      </a:folHlink>
+    </a:clrScheme>
+    <a:fontScheme name="Office">
+      <a:majorFont>
+        <a:latin typeface="Aptos Display" panose="02110004020202020204"/>
+        <a:ea typeface=""/>
+        <a:cs typeface=""/>
+        <a:font script="Jpan" typeface="游ゴシック Light"/>
+        <a:font script="Hang" typeface="맑은 고딕"/>
+        <a:font script="Hans" typeface="等线 Light"/>
+        <a:font script="Hant" typeface="新細明體"/>
+        <a:font script="Arab" typeface="Times New Roman"/>
+        <a:font script="Hebr" typeface="Times New Roman"/>
+        <a:font script="Thai" typeface="Angsana New"/>
+        <a:font script="Ethi" typeface="Nyala"/>
+        <a:font script="Beng" typeface="Vrinda"/>
+        <a:font script="Gujr" typeface="Shruti"/>
+        <a:font script="Khmr" typeface="MoolBoran"/>
+        <a:font script="Knda" typeface="Tunga"/>
+        <a:font script="Guru" typeface="Raavi"/>
+        <a:font script="Cans" typeface="Euphemia"/>
+        <a:font script="Cher" typeface="Plantagenet Cherokee"/>
+        <a:font script="Yiii" typeface="Microsoft Yi Baiti"/>
+        <a:font script="Tibt" typeface="Microsoft Himalaya"/>
+        <a:font script="Thaa" typeface="MV Boli"/>
+        <a:font script="Deva" typeface="Mangal"/>
+        <a:font script="Telu" typeface="Gautami"/>
+        <a:font script="Taml" typeface="Latha"/>
+        <a:font script="Syrc" typeface="Estrangelo Edessa"/>
+        <a:font script="Orya" typeface="Kalinga"/>
+        <a:font script="Mlym" typeface="Kartika"/>
+        <a:font script="Laoo" typeface="DokChampa"/>
+        <a:font script="Sinh" typeface="Iskoola Pota"/>
+        <a:font script="Mong" typeface="Mongolian Baiti"/>
+        <a:font script="Viet" typeface="Times New Roman"/>
+        <a:font script="Uigh" typeface="Microsoft Uighur"/>
+        <a:font script="Geor" typeface="Sylfaen"/>
+        <a:font script="Armn" typeface="Arial"/>
+        <a:font script="Bugi" typeface="Leelawadee UI"/>
+        <a:font script="Bopo" typeface="Microsoft JhengHei"/>
+        <a:font script="Java" typeface="Javanese Text"/>
+        <a:font script="Lisu" typeface="Segoe UI"/>
+        <a:font script="Mymr" typeface="Myanmar Text"/>
+        <a:font script="Nkoo" typeface="Ebrima"/>
+        <a:font script="Olck" typeface="Nirmala UI"/>
+        <a:font script="Osma" typeface="Ebrima"/>
+        <a:font script="Phag" typeface="Phagspa"/>
+        <a:font script="Syrn" typeface="Estrangelo Edessa"/>
+        <a:font script="Syrj" typeface="Estrangelo Edessa"/>
+        <a:font script="Syre" typeface="Estrangelo Edessa"/>
+        <a:font script="Sora" typeface="Nirmala UI"/>
+        <a:font script="Tale" typeface="Microsoft Tai Le"/>
+        <a:font script="Talu" typeface="Microsoft New Tai Lue"/>
+        <a:font script="Tfng" typeface="Ebrima"/>
+      </a:majorFont>
+      <a:minorFont>
+        <a:latin typeface="Aptos" panose="02110004020202020204"/>
+        <a:ea typeface=""/>
+        <a:cs typeface=""/>
+        <a:font script="Jpan" typeface="游ゴシック"/>
+        <a:font script="Hang" typeface="맑은 고딕"/>
+        <a:font script="Hans" typeface="等线"/>
+        <a:font script="Hant" typeface="新細明體"/>
+        <a:font script="Arab" typeface="Arial"/>
+        <a:font script="Hebr" typeface="Arial"/>
+        <a:font script="Thai" typeface="Cordia New"/>
+        <a:font script="Ethi" typeface="Nyala"/>
+        <a:font script="Beng" typeface="Vrinda"/>
+        <a:font script="Gujr" typeface="Shruti"/>
+        <a:font script="Khmr" typeface="DaunPenh"/>
+        <a:font script="Knda" typeface="Tunga"/>
+        <a:font script="Guru" typeface="Raavi"/>
+        <a:font script="Cans" typeface="Euphemia"/>
+        <a:font script="Cher" typeface="Plantagenet Cherokee"/>
+        <a:font script="Yiii" typeface="Microsoft Yi Baiti"/>
+        <a:font script="Tibt" typeface="Microsoft Himalaya"/>
+        <a:font script="Thaa" typeface="MV Boli"/>
+        <a:font script="Deva" typeface="Mangal"/>
+        <a:font script="Telu" typeface="Gautami"/>
+        <a:font script="Taml" typeface="Latha"/>
+        <a:font script="Syrc" typeface="Estrangelo Edessa"/>
+        <a:font script="Orya" typeface="Kalinga"/>
+        <a:font script="Mlym" typeface="Kartika"/>
+        <a:font script="Laoo" typeface="DokChampa"/>
+        <a:font script="Sinh" typeface="Iskoola Pota"/>
+        <a:font script="Mong" typeface="Mongolian Baiti"/>
+        <a:font script="Viet" typeface="Arial"/>
+        <a:font script="Uigh" typeface="Microsoft Uighur"/>
+        <a:font script="Geor" typeface="Sylfaen"/>
+        <a:font script="Armn" typeface="Arial"/>
+        <a:font script="Bugi" typeface="Leelawadee UI"/>
+        <a:font script="Bopo" typeface="Microsoft JhengHei"/>
+        <a:font script="Java" typeface="Javanese Text"/>
+        <a:font script="Lisu" typeface="Segoe UI"/>
+        <a:font script="Mymr" typeface="Myanmar Text"/>
+        <a:font script="Nkoo" typeface="Ebrima"/>
+        <a:font script="Olck" typeface="Nirmala UI"/>
+        <a:font script="Osma" typeface="Ebrima"/>
+        <a:font script="Phag" typeface="Phagspa"/>
+        <a:font script="Syrn" typeface="Estrangelo Edessa"/>
+        <a:font script="Syrj" typeface="Estrangelo Edessa"/>
+        <a:font script="Syre" typeface="Estrangelo Edessa"/>
+        <a:font script="Sora" typeface="Nirmala UI"/>
+        <a:font script="Tale" typeface="Microsoft Tai Le"/>
+        <a:font script="Talu" typeface="Microsoft New Tai Lue"/>
+        <a:font script="Tfng" typeface="Ebrima"/>
+      </a:minorFont>
+    </a:fontScheme>
+    <a:fmtScheme name="Office">
+      <a:fillStyleLst>
+        <a:solidFill>
+          <a:schemeClr val="phClr"/>
+        </a:solidFill>
+        <a:gradFill rotWithShape="1">
+          <a:gsLst>
+            <a:gs pos="0">
+              <a:schemeClr val="phClr">
+                <a:lumMod val="110000"/>
+                <a:satMod val="105000"/>
+                <a:tint val="67000"/>
+              </a:schemeClr>
+            </a:gs>
+            <a:gs pos="50000">
+              <a:schemeClr val="phClr">
+                <a:lumMod val="105000"/>
+                <a:satMod val="103000"/>
+                <a:tint val="73000"/>
+              </a:schemeClr>
+            </a:gs>
+            <a:gs pos="100000">
+              <a:schemeClr val="phClr">
+                <a:lumMod val="105000"/>
+                <a:satMod val="109000"/>
+                <a:tint val="81000"/>
+              </a:schemeClr>
+            </a:gs>
+          </a:gsLst>
+          <a:lin ang="5400000" scaled="0"/>
+        </a:gradFill>
+        <a:gradFill rotWithShape="1">
+          <a:gsLst>
+            <a:gs pos="0">
+              <a:schemeClr val="phClr">
+                <a:satMod val="103000"/>
+                <a:lumMod val="102000"/>
+                <a:tint val="94000"/>
+              </a:schemeClr>
+            </a:gs>
+            <a:gs pos="50000">
+              <a:schemeClr val="phClr">
+                <a:satMod val="110000"/>
+                <a:lumMod val="100000"/>
+                <a:shade val="100000"/>
+              </a:schemeClr>
+            </a:gs>
+            <a:gs pos="100000">
+              <a:schemeClr val="phClr">
+                <a:lumMod val="99000"/>
+                <a:satMod val="120000"/>
+                <a:shade val="78000"/>
+              </a:schemeClr>
+            </a:gs>
+          </a:gsLst>
+          <a:lin ang="5400000" scaled="0"/>
+        </a:gradFill>
+      </a:fillStyleLst>
+      <a:lnStyleLst>
+        <a:ln w="12700" cap="flat" cmpd="sng" algn="ctr">
+          <a:solidFill>
+            <a:schemeClr val="phClr"/>
+          </a:solidFill>
+          <a:prstDash val="solid"/>
+          <a:miter lim="800000"/>
+        </a:ln>
+        <a:ln w="19050" cap="flat" cmpd="sng" algn="ctr">
+          <a:solidFill>
+            <a:schemeClr val="phClr"/>
+          </a:solidFill>
+          <a:prstDash val="solid"/>
+          <a:miter lim="800000"/>
+        </a:ln>
+        <a:ln w="25400" cap="flat" cmpd="sng" algn="ctr">
+          <a:solidFill>
+            <a:schemeClr val="phClr"/>
+          </a:solidFill>
+          <a:prstDash val="solid"/>
+          <a:miter lim="800000"/>
+        </a:ln>
+      </a:lnStyleLst>
+      <a:effectStyleLst>
+        <a:effectStyle>
+          <a:effectLst/>
+        </a:effectStyle>
+        <a:effectStyle>
+          <a:effectLst/>
+        </a:effectStyle>
+        <a:effectStyle>
+          <a:effectLst>
+            <a:outerShdw blurRad="57150" dist="19050" dir="5400000" algn="ctr" rotWithShape="0">
+              <a:srgbClr val="000000">
+                <a:alpha val="63000"/>
+              </a:srgbClr>
+            </a:outerShdw>
+          </a:effectLst>
+        </a:effectStyle>
+      </a:effectStyleLst>
+      <a:bgFillStyleLst>
+        <a:solidFill>
+          <a:schemeClr val="phClr"/>
+        </a:solidFill>
+        <a:solidFill>
+          <a:schemeClr val="phClr">
+            <a:tint val="95000"/>
+            <a:satMod val="170000"/>
+          </a:schemeClr>
+        </a:solidFill>
+        <a:gradFill rotWithShape="1">
+          <a:gsLst>
+            <a:gs pos="0">
+              <a:schemeClr val="phClr">
+                <a:tint val="93000"/>
+                <a:satMod val="150000"/>
+                <a:shade val="98000"/>
+                <a:lumMod val="102000"/>
+              </a:schemeClr>
+            </a:gs>
+            <a:gs pos="50000">
+              <a:schemeClr val="phClr">
+                <a:tint val="98000"/>
+                <a:satMod val="130000"/>
+                <a:shade val="90000"/>
+                <a:lumMod val="103000"/>
+              </a:schemeClr>
+            </a:gs>
+            <a:gs pos="100000">
+              <a:schemeClr val="phClr">
+                <a:shade val="63000"/>
+                <a:satMod val="120000"/>
+              </a:schemeClr>
+            </a:gs>
+          </a:gsLst>
+          <a:lin ang="5400000" scaled="0"/>
+        </a:gradFill>
+      </a:bgFillStyleLst>
+    </a:fmtScheme>
+  </a:themeElements>
+  <a:objectDefaults>
+    <a:lnDef>
+      <a:spPr/>
+      <a:bodyPr/>
+      <a:lstStyle/>
+      <a:style>
+        <a:lnRef idx="2">
+          <a:schemeClr val="accent1"/>
+        </a:lnRef>
+        <a:fillRef idx="0">
+          <a:schemeClr val="accent1"/>
+        </a:fillRef>
+        <a:effectRef idx="1">
+          <a:schemeClr val="accent1"/>
+        </a:effectRef>
+        <a:fontRef idx="minor">
+          <a:schemeClr val="tx1"/>
+        </a:fontRef>
+      </a:style>
+    </a:lnDef>
+  </a:objectDefaults>
+  <a:extraClrSchemeLst/>
+  <a:extLst>
+    <a:ext uri="{05A4C25C-085E-4340-85A3-A5531E510DB2}">
+      <thm15:themeFamily xmlns:thm15="http://schemas.microsoft.com/office/thememl/2012/main" name="Office Theme" id="{2E142A2C-CD16-42D6-873A-C26D2A0506FA}" vid="{1BDDFF52-6CD6-40A5-AB3C-68EB2F1E4D0A}"/>
+    </a:ext>
+  </a:extLst>
+</a:theme>
 </file>